--- a/clases/Cap02_Geometria/presentaciones/CV02_Homography.pptx
+++ b/clases/Cap02_Geometria/presentaciones/CV02_Homography.pptx
@@ -223,7 +223,7 @@
           <a:p>
             <a:fld id="{089CB84B-3086-824D-91F5-F571CFDD3E7D}" type="datetimeFigureOut">
               <a:rPr lang="en-US" smtClean="0"/>
-              <a:t>7/26/19</a:t>
+              <a:t>8/19/19</a:t>
             </a:fld>
             <a:endParaRPr lang="en-US"/>
           </a:p>
@@ -1973,7 +1973,7 @@
           <a:p>
             <a:fld id="{D3AE09B4-90D0-1245-B83D-B1B2932963E4}" type="datetimeFigureOut">
               <a:rPr lang="en-US" smtClean="0"/>
-              <a:t>7/26/19</a:t>
+              <a:t>8/19/19</a:t>
             </a:fld>
             <a:endParaRPr lang="en-US"/>
           </a:p>
@@ -2143,7 +2143,7 @@
           <a:p>
             <a:fld id="{D3AE09B4-90D0-1245-B83D-B1B2932963E4}" type="datetimeFigureOut">
               <a:rPr lang="en-US" smtClean="0"/>
-              <a:t>7/26/19</a:t>
+              <a:t>8/19/19</a:t>
             </a:fld>
             <a:endParaRPr lang="en-US"/>
           </a:p>
@@ -2323,7 +2323,7 @@
           <a:p>
             <a:fld id="{D3AE09B4-90D0-1245-B83D-B1B2932963E4}" type="datetimeFigureOut">
               <a:rPr lang="en-US" smtClean="0"/>
-              <a:t>7/26/19</a:t>
+              <a:t>8/19/19</a:t>
             </a:fld>
             <a:endParaRPr lang="en-US"/>
           </a:p>
@@ -2493,7 +2493,7 @@
           <a:p>
             <a:fld id="{D3AE09B4-90D0-1245-B83D-B1B2932963E4}" type="datetimeFigureOut">
               <a:rPr lang="en-US" smtClean="0"/>
-              <a:t>7/26/19</a:t>
+              <a:t>8/19/19</a:t>
             </a:fld>
             <a:endParaRPr lang="en-US"/>
           </a:p>
@@ -2739,7 +2739,7 @@
           <a:p>
             <a:fld id="{D3AE09B4-90D0-1245-B83D-B1B2932963E4}" type="datetimeFigureOut">
               <a:rPr lang="en-US" smtClean="0"/>
-              <a:t>7/26/19</a:t>
+              <a:t>8/19/19</a:t>
             </a:fld>
             <a:endParaRPr lang="en-US"/>
           </a:p>
@@ -3027,7 +3027,7 @@
           <a:p>
             <a:fld id="{D3AE09B4-90D0-1245-B83D-B1B2932963E4}" type="datetimeFigureOut">
               <a:rPr lang="en-US" smtClean="0"/>
-              <a:t>7/26/19</a:t>
+              <a:t>8/19/19</a:t>
             </a:fld>
             <a:endParaRPr lang="en-US"/>
           </a:p>
@@ -3449,7 +3449,7 @@
           <a:p>
             <a:fld id="{D3AE09B4-90D0-1245-B83D-B1B2932963E4}" type="datetimeFigureOut">
               <a:rPr lang="en-US" smtClean="0"/>
-              <a:t>7/26/19</a:t>
+              <a:t>8/19/19</a:t>
             </a:fld>
             <a:endParaRPr lang="en-US"/>
           </a:p>
@@ -3567,7 +3567,7 @@
           <a:p>
             <a:fld id="{D3AE09B4-90D0-1245-B83D-B1B2932963E4}" type="datetimeFigureOut">
               <a:rPr lang="en-US" smtClean="0"/>
-              <a:t>7/26/19</a:t>
+              <a:t>8/19/19</a:t>
             </a:fld>
             <a:endParaRPr lang="en-US"/>
           </a:p>
@@ -3662,7 +3662,7 @@
           <a:p>
             <a:fld id="{D3AE09B4-90D0-1245-B83D-B1B2932963E4}" type="datetimeFigureOut">
               <a:rPr lang="en-US" smtClean="0"/>
-              <a:t>7/26/19</a:t>
+              <a:t>8/19/19</a:t>
             </a:fld>
             <a:endParaRPr lang="en-US"/>
           </a:p>
@@ -3939,7 +3939,7 @@
           <a:p>
             <a:fld id="{D3AE09B4-90D0-1245-B83D-B1B2932963E4}" type="datetimeFigureOut">
               <a:rPr lang="en-US" smtClean="0"/>
-              <a:t>7/26/19</a:t>
+              <a:t>8/19/19</a:t>
             </a:fld>
             <a:endParaRPr lang="en-US"/>
           </a:p>
@@ -4192,7 +4192,7 @@
           <a:p>
             <a:fld id="{D3AE09B4-90D0-1245-B83D-B1B2932963E4}" type="datetimeFigureOut">
               <a:rPr lang="en-US" smtClean="0"/>
-              <a:t>7/26/19</a:t>
+              <a:t>8/19/19</a:t>
             </a:fld>
             <a:endParaRPr lang="en-US"/>
           </a:p>
@@ -4403,7 +4403,7 @@
           <a:p>
             <a:fld id="{D3AE09B4-90D0-1245-B83D-B1B2932963E4}" type="datetimeFigureOut">
               <a:rPr lang="en-US" smtClean="0"/>
-              <a:t>7/26/19</a:t>
+              <a:t>8/19/19</a:t>
             </a:fld>
             <a:endParaRPr lang="en-US"/>
           </a:p>
@@ -11794,8 +11794,8 @@
         </p:nvSpPr>
         <p:spPr>
           <a:xfrm>
-            <a:off x="4037379" y="883163"/>
-            <a:ext cx="4328491" cy="646331"/>
+            <a:off x="3238727" y="883163"/>
+            <a:ext cx="5718232" cy="646331"/>
           </a:xfrm>
           <a:prstGeom prst="rect">
             <a:avLst/>
@@ -11878,7 +11878,7 @@
                 <a:latin typeface="Times"/>
                 <a:cs typeface="Times"/>
               </a:rPr>
-              <a:t>(planes          and          are parallel). </a:t>
+              <a:t>(planes          and          are parallel and perpendicular to Z). </a:t>
             </a:r>
           </a:p>
         </p:txBody>
@@ -12020,7 +12020,7 @@
         </p:nvSpPr>
         <p:spPr>
           <a:xfrm>
-            <a:off x="7381653" y="1068490"/>
+            <a:off x="6583001" y="1068490"/>
             <a:ext cx="70556" cy="66377"/>
           </a:xfrm>
           <a:prstGeom prst="ellipse">
@@ -12066,7 +12066,7 @@
         </p:nvSpPr>
         <p:spPr>
           <a:xfrm>
-            <a:off x="5842848" y="1066376"/>
+            <a:off x="5044196" y="1066376"/>
             <a:ext cx="70556" cy="66377"/>
           </a:xfrm>
           <a:prstGeom prst="ellipse">
@@ -12233,7 +12233,7 @@
         </p:nvSpPr>
         <p:spPr>
           <a:xfrm>
-            <a:off x="4857854" y="1261037"/>
+            <a:off x="4059202" y="1261037"/>
             <a:ext cx="372998" cy="186492"/>
           </a:xfrm>
           <a:prstGeom prst="rect">
@@ -12280,7 +12280,7 @@
         </p:nvSpPr>
         <p:spPr>
           <a:xfrm>
-            <a:off x="5791773" y="1253588"/>
+            <a:off x="4993121" y="1253588"/>
             <a:ext cx="372998" cy="186492"/>
           </a:xfrm>
           <a:prstGeom prst="rect">
@@ -14117,7 +14117,7 @@
           <a:graphicData uri="http://schemas.openxmlformats.org/presentationml/2006/ole">
             <mc:AlternateContent xmlns:mc="http://schemas.openxmlformats.org/markup-compatibility/2006">
               <mc:Choice xmlns:v="urn:schemas-microsoft-com:vml" Requires="v">
-                <p:oleObj spid="_x0000_s3085" name="Equation" r:id="rId4" imgW="2133600" imgH="673100" progId="Equation.3">
+                <p:oleObj spid="_x0000_s3087" name="Equation" r:id="rId4" imgW="2133600" imgH="673100" progId="Equation.3">
                   <p:embed/>
                 </p:oleObj>
               </mc:Choice>
@@ -14156,7 +14156,7 @@
                       <a:noFill/>
                       <a:extLst>
                         <a:ext uri="{909E8E84-426E-40dd-AFC4-6F175D3DCCD1}">
-                          <a14:hiddenFill xmlns="" xmlns:a14="http://schemas.microsoft.com/office/drawing/2010/main">
+                          <a14:hiddenFill xmlns:a14="http://schemas.microsoft.com/office/drawing/2010/main" xmlns="">
                             <a:solidFill>
                               <a:srgbClr val="FFFFFF"/>
                             </a:solidFill>
@@ -14675,7 +14675,7 @@
           <a:graphicData uri="http://schemas.openxmlformats.org/presentationml/2006/ole">
             <mc:AlternateContent xmlns:mc="http://schemas.openxmlformats.org/markup-compatibility/2006">
               <mc:Choice xmlns:v="urn:schemas-microsoft-com:vml" Requires="v">
-                <p:oleObj spid="_x0000_s1044" name="Equation" r:id="rId6" imgW="2133600" imgH="673100" progId="Equation.3">
+                <p:oleObj spid="_x0000_s1046" name="Equation" r:id="rId6" imgW="2133600" imgH="673100" progId="Equation.3">
                   <p:embed/>
                 </p:oleObj>
               </mc:Choice>
@@ -14714,7 +14714,7 @@
                       <a:noFill/>
                       <a:extLst>
                         <a:ext uri="{909E8E84-426E-40dd-AFC4-6F175D3DCCD1}">
-                          <a14:hiddenFill xmlns="" xmlns:a14="http://schemas.microsoft.com/office/drawing/2010/main">
+                          <a14:hiddenFill xmlns:a14="http://schemas.microsoft.com/office/drawing/2010/main" xmlns="">
                             <a:solidFill>
                               <a:srgbClr val="FFFFFF"/>
                             </a:solidFill>
@@ -15266,7 +15266,7 @@
           <a:graphicData uri="http://schemas.openxmlformats.org/presentationml/2006/ole">
             <mc:AlternateContent xmlns:mc="http://schemas.openxmlformats.org/markup-compatibility/2006">
               <mc:Choice xmlns:v="urn:schemas-microsoft-com:vml" Requires="v">
-                <p:oleObj spid="_x0000_s2068" name="Equation" r:id="rId4" imgW="2133600" imgH="673100" progId="Equation.3">
+                <p:oleObj spid="_x0000_s2070" name="Equation" r:id="rId4" imgW="2133600" imgH="673100" progId="Equation.3">
                   <p:embed/>
                 </p:oleObj>
               </mc:Choice>
@@ -15305,7 +15305,7 @@
                       <a:noFill/>
                       <a:extLst>
                         <a:ext uri="{909E8E84-426E-40dd-AFC4-6F175D3DCCD1}">
-                          <a14:hiddenFill xmlns="" xmlns:a14="http://schemas.microsoft.com/office/drawing/2010/main">
+                          <a14:hiddenFill xmlns:a14="http://schemas.microsoft.com/office/drawing/2010/main" xmlns="">
                             <a:solidFill>
                               <a:srgbClr val="FFFFFF"/>
                             </a:solidFill>

--- a/clases/Cap02_Geometria/presentaciones/CV02_Homography.pptx
+++ b/clases/Cap02_Geometria/presentaciones/CV02_Homography.pptx
@@ -5,7 +5,7 @@
     <p:sldMasterId id="2147483648" r:id="rId1"/>
   </p:sldMasterIdLst>
   <p:notesMasterIdLst>
-    <p:notesMasterId r:id="rId18"/>
+    <p:notesMasterId r:id="rId17"/>
   </p:notesMasterIdLst>
   <p:sldIdLst>
     <p:sldId id="442" r:id="rId2"/>
@@ -23,7 +23,6 @@
     <p:sldId id="450" r:id="rId14"/>
     <p:sldId id="457" r:id="rId15"/>
     <p:sldId id="459" r:id="rId16"/>
-    <p:sldId id="456" r:id="rId17"/>
   </p:sldIdLst>
   <p:sldSz cx="9144000" cy="6858000" type="screen4x3"/>
   <p:notesSz cx="6858000" cy="9144000"/>
@@ -223,7 +222,7 @@
           <a:p>
             <a:fld id="{089CB84B-3086-824D-91F5-F571CFDD3E7D}" type="datetimeFigureOut">
               <a:rPr lang="en-US" smtClean="0"/>
-              <a:t>8/19/19</a:t>
+              <a:t>8/27/21</a:t>
             </a:fld>
             <a:endParaRPr lang="en-US"/>
           </a:p>
@@ -1973,7 +1972,7 @@
           <a:p>
             <a:fld id="{D3AE09B4-90D0-1245-B83D-B1B2932963E4}" type="datetimeFigureOut">
               <a:rPr lang="en-US" smtClean="0"/>
-              <a:t>8/19/19</a:t>
+              <a:t>8/27/21</a:t>
             </a:fld>
             <a:endParaRPr lang="en-US"/>
           </a:p>
@@ -2143,7 +2142,7 @@
           <a:p>
             <a:fld id="{D3AE09B4-90D0-1245-B83D-B1B2932963E4}" type="datetimeFigureOut">
               <a:rPr lang="en-US" smtClean="0"/>
-              <a:t>8/19/19</a:t>
+              <a:t>8/27/21</a:t>
             </a:fld>
             <a:endParaRPr lang="en-US"/>
           </a:p>
@@ -2323,7 +2322,7 @@
           <a:p>
             <a:fld id="{D3AE09B4-90D0-1245-B83D-B1B2932963E4}" type="datetimeFigureOut">
               <a:rPr lang="en-US" smtClean="0"/>
-              <a:t>8/19/19</a:t>
+              <a:t>8/27/21</a:t>
             </a:fld>
             <a:endParaRPr lang="en-US"/>
           </a:p>
@@ -2493,7 +2492,7 @@
           <a:p>
             <a:fld id="{D3AE09B4-90D0-1245-B83D-B1B2932963E4}" type="datetimeFigureOut">
               <a:rPr lang="en-US" smtClean="0"/>
-              <a:t>8/19/19</a:t>
+              <a:t>8/27/21</a:t>
             </a:fld>
             <a:endParaRPr lang="en-US"/>
           </a:p>
@@ -2739,7 +2738,7 @@
           <a:p>
             <a:fld id="{D3AE09B4-90D0-1245-B83D-B1B2932963E4}" type="datetimeFigureOut">
               <a:rPr lang="en-US" smtClean="0"/>
-              <a:t>8/19/19</a:t>
+              <a:t>8/27/21</a:t>
             </a:fld>
             <a:endParaRPr lang="en-US"/>
           </a:p>
@@ -3027,7 +3026,7 @@
           <a:p>
             <a:fld id="{D3AE09B4-90D0-1245-B83D-B1B2932963E4}" type="datetimeFigureOut">
               <a:rPr lang="en-US" smtClean="0"/>
-              <a:t>8/19/19</a:t>
+              <a:t>8/27/21</a:t>
             </a:fld>
             <a:endParaRPr lang="en-US"/>
           </a:p>
@@ -3449,7 +3448,7 @@
           <a:p>
             <a:fld id="{D3AE09B4-90D0-1245-B83D-B1B2932963E4}" type="datetimeFigureOut">
               <a:rPr lang="en-US" smtClean="0"/>
-              <a:t>8/19/19</a:t>
+              <a:t>8/27/21</a:t>
             </a:fld>
             <a:endParaRPr lang="en-US"/>
           </a:p>
@@ -3567,7 +3566,7 @@
           <a:p>
             <a:fld id="{D3AE09B4-90D0-1245-B83D-B1B2932963E4}" type="datetimeFigureOut">
               <a:rPr lang="en-US" smtClean="0"/>
-              <a:t>8/19/19</a:t>
+              <a:t>8/27/21</a:t>
             </a:fld>
             <a:endParaRPr lang="en-US"/>
           </a:p>
@@ -3662,7 +3661,7 @@
           <a:p>
             <a:fld id="{D3AE09B4-90D0-1245-B83D-B1B2932963E4}" type="datetimeFigureOut">
               <a:rPr lang="en-US" smtClean="0"/>
-              <a:t>8/19/19</a:t>
+              <a:t>8/27/21</a:t>
             </a:fld>
             <a:endParaRPr lang="en-US"/>
           </a:p>
@@ -3939,7 +3938,7 @@
           <a:p>
             <a:fld id="{D3AE09B4-90D0-1245-B83D-B1B2932963E4}" type="datetimeFigureOut">
               <a:rPr lang="en-US" smtClean="0"/>
-              <a:t>8/19/19</a:t>
+              <a:t>8/27/21</a:t>
             </a:fld>
             <a:endParaRPr lang="en-US"/>
           </a:p>
@@ -4192,7 +4191,7 @@
           <a:p>
             <a:fld id="{D3AE09B4-90D0-1245-B83D-B1B2932963E4}" type="datetimeFigureOut">
               <a:rPr lang="en-US" smtClean="0"/>
-              <a:t>8/19/19</a:t>
+              <a:t>8/27/21</a:t>
             </a:fld>
             <a:endParaRPr lang="en-US"/>
           </a:p>
@@ -4403,7 +4402,7 @@
           <a:p>
             <a:fld id="{D3AE09B4-90D0-1245-B83D-B1B2932963E4}" type="datetimeFigureOut">
               <a:rPr lang="en-US" smtClean="0"/>
-              <a:t>8/19/19</a:t>
+              <a:t>8/27/21</a:t>
             </a:fld>
             <a:endParaRPr lang="en-US"/>
           </a:p>
@@ -10799,128 +10798,6 @@
 </p:sld>
 </file>
 
-<file path=ppt/slides/slide16.xml><?xml version="1.0" encoding="utf-8"?>
-<p:sld xmlns:a="http://schemas.openxmlformats.org/drawingml/2006/main" xmlns:r="http://schemas.openxmlformats.org/officeDocument/2006/relationships" xmlns:p="http://schemas.openxmlformats.org/presentationml/2006/main">
-  <p:cSld>
-    <p:spTree>
-      <p:nvGrpSpPr>
-        <p:cNvPr id="1" name=""/>
-        <p:cNvGrpSpPr/>
-        <p:nvPr/>
-      </p:nvGrpSpPr>
-      <p:grpSpPr>
-        <a:xfrm>
-          <a:off x="0" y="0"/>
-          <a:ext cx="0" cy="0"/>
-          <a:chOff x="0" y="0"/>
-          <a:chExt cx="0" cy="0"/>
-        </a:xfrm>
-      </p:grpSpPr>
-      <p:sp>
-        <p:nvSpPr>
-          <p:cNvPr id="3" name="TextBox 2"/>
-          <p:cNvSpPr txBox="1"/>
-          <p:nvPr/>
-        </p:nvSpPr>
-        <p:spPr>
-          <a:xfrm>
-            <a:off x="1905142" y="2634445"/>
-            <a:ext cx="5409616" cy="1477328"/>
-          </a:xfrm>
-          <a:prstGeom prst="rect">
-            <a:avLst/>
-          </a:prstGeom>
-          <a:noFill/>
-        </p:spPr>
-        <p:txBody>
-          <a:bodyPr wrap="none" rtlCol="0">
-            <a:spAutoFit/>
-          </a:bodyPr>
-          <a:lstStyle/>
-          <a:p>
-            <a:pPr algn="ctr"/>
-            <a:r>
-              <a:rPr lang="en-US" dirty="0">
-                <a:latin typeface="Trebuchet MS"/>
-                <a:cs typeface="Trebuchet MS"/>
-              </a:rPr>
-              <a:t>DEMO in MATLAB</a:t>
-            </a:r>
-          </a:p>
-          <a:p>
-            <a:pPr algn="ctr"/>
-            <a:endParaRPr lang="en-US" dirty="0">
-              <a:latin typeface="Trebuchet MS"/>
-              <a:cs typeface="Trebuchet MS"/>
-            </a:endParaRPr>
-          </a:p>
-          <a:p>
-            <a:pPr algn="ctr"/>
-            <a:r>
-              <a:rPr lang="en-US" dirty="0">
-                <a:latin typeface="Trebuchet MS"/>
-                <a:cs typeface="Trebuchet MS"/>
-              </a:rPr>
-              <a:t>Use </a:t>
-            </a:r>
-            <a:r>
-              <a:rPr lang="en-US" dirty="0" err="1">
-                <a:latin typeface="Trebuchet MS"/>
-                <a:cs typeface="Trebuchet MS"/>
-              </a:rPr>
-              <a:t>Bmv_guihomography</a:t>
-            </a:r>
-            <a:endParaRPr lang="en-US" dirty="0">
-              <a:latin typeface="Trebuchet MS"/>
-              <a:cs typeface="Trebuchet MS"/>
-            </a:endParaRPr>
-          </a:p>
-          <a:p>
-            <a:pPr algn="ctr"/>
-            <a:endParaRPr lang="en-US" dirty="0">
-              <a:latin typeface="Trebuchet MS"/>
-              <a:cs typeface="Trebuchet MS"/>
-            </a:endParaRPr>
-          </a:p>
-          <a:p>
-            <a:pPr algn="ctr"/>
-            <a:r>
-              <a:rPr lang="en-US" dirty="0">
-                <a:latin typeface="Trebuchet MS"/>
-                <a:cs typeface="Trebuchet MS"/>
-              </a:rPr>
-              <a:t>Load image ‘</a:t>
-            </a:r>
-            <a:r>
-              <a:rPr lang="en-US" dirty="0" err="1">
-                <a:latin typeface="Trebuchet MS"/>
-                <a:cs typeface="Trebuchet MS"/>
-              </a:rPr>
-              <a:t>painting.png</a:t>
-            </a:r>
-            <a:r>
-              <a:rPr lang="en-US" dirty="0">
-                <a:latin typeface="Trebuchet MS"/>
-                <a:cs typeface="Trebuchet MS"/>
-              </a:rPr>
-              <a:t>’ from directory ‘images’</a:t>
-            </a:r>
-          </a:p>
-        </p:txBody>
-      </p:sp>
-    </p:spTree>
-    <p:extLst>
-      <p:ext uri="{BB962C8B-B14F-4D97-AF65-F5344CB8AC3E}">
-        <p14:creationId xmlns:p14="http://schemas.microsoft.com/office/powerpoint/2010/main" val="2432127916"/>
-      </p:ext>
-    </p:extLst>
-  </p:cSld>
-  <p:clrMapOvr>
-    <a:masterClrMapping/>
-  </p:clrMapOvr>
-</p:sld>
-</file>
-
 <file path=ppt/slides/slide2.xml><?xml version="1.0" encoding="utf-8"?>
 <p:sld xmlns:a="http://schemas.openxmlformats.org/drawingml/2006/main" xmlns:r="http://schemas.openxmlformats.org/officeDocument/2006/relationships" xmlns:p="http://schemas.openxmlformats.org/presentationml/2006/main">
   <p:cSld>
@@ -12020,7 +11897,7 @@
         </p:nvSpPr>
         <p:spPr>
           <a:xfrm>
-            <a:off x="6583001" y="1068490"/>
+            <a:off x="6571426" y="1045340"/>
             <a:ext cx="70556" cy="66377"/>
           </a:xfrm>
           <a:prstGeom prst="ellipse">
@@ -12066,7 +11943,7 @@
         </p:nvSpPr>
         <p:spPr>
           <a:xfrm>
-            <a:off x="5044196" y="1066376"/>
+            <a:off x="5032621" y="1043226"/>
             <a:ext cx="70556" cy="66377"/>
           </a:xfrm>
           <a:prstGeom prst="ellipse">
@@ -14117,7 +13994,7 @@
           <a:graphicData uri="http://schemas.openxmlformats.org/presentationml/2006/ole">
             <mc:AlternateContent xmlns:mc="http://schemas.openxmlformats.org/markup-compatibility/2006">
               <mc:Choice xmlns:v="urn:schemas-microsoft-com:vml" Requires="v">
-                <p:oleObj spid="_x0000_s3087" name="Equation" r:id="rId4" imgW="2133600" imgH="673100" progId="Equation.3">
+                <p:oleObj spid="_x0000_s3089" name="Equation" r:id="rId4" imgW="2133600" imgH="673100" progId="Equation.3">
                   <p:embed/>
                 </p:oleObj>
               </mc:Choice>
@@ -14156,7 +14033,7 @@
                       <a:noFill/>
                       <a:extLst>
                         <a:ext uri="{909E8E84-426E-40dd-AFC4-6F175D3DCCD1}">
-                          <a14:hiddenFill xmlns:a14="http://schemas.microsoft.com/office/drawing/2010/main" xmlns="">
+                          <a14:hiddenFill xmlns="" xmlns:a14="http://schemas.microsoft.com/office/drawing/2010/main">
                             <a:solidFill>
                               <a:srgbClr val="FFFFFF"/>
                             </a:solidFill>
@@ -14320,7 +14197,7 @@
         </p:blipFill>
         <p:spPr>
           <a:xfrm>
-            <a:off x="5289904" y="3052308"/>
+            <a:off x="5278329" y="3052308"/>
             <a:ext cx="2384715" cy="3181764"/>
           </a:xfrm>
           <a:prstGeom prst="rect">
@@ -14350,7 +14227,7 @@
         </p:blipFill>
         <p:spPr>
           <a:xfrm>
-            <a:off x="1150620" y="3079328"/>
+            <a:off x="1139045" y="3067753"/>
             <a:ext cx="2335392" cy="3118032"/>
           </a:xfrm>
           <a:prstGeom prst="rect">
@@ -14675,7 +14552,7 @@
           <a:graphicData uri="http://schemas.openxmlformats.org/presentationml/2006/ole">
             <mc:AlternateContent xmlns:mc="http://schemas.openxmlformats.org/markup-compatibility/2006">
               <mc:Choice xmlns:v="urn:schemas-microsoft-com:vml" Requires="v">
-                <p:oleObj spid="_x0000_s1046" name="Equation" r:id="rId6" imgW="2133600" imgH="673100" progId="Equation.3">
+                <p:oleObj spid="_x0000_s1048" name="Equation" r:id="rId6" imgW="2133600" imgH="673100" progId="Equation.3">
                   <p:embed/>
                 </p:oleObj>
               </mc:Choice>
@@ -14714,7 +14591,7 @@
                       <a:noFill/>
                       <a:extLst>
                         <a:ext uri="{909E8E84-426E-40dd-AFC4-6F175D3DCCD1}">
-                          <a14:hiddenFill xmlns:a14="http://schemas.microsoft.com/office/drawing/2010/main" xmlns="">
+                          <a14:hiddenFill xmlns="" xmlns:a14="http://schemas.microsoft.com/office/drawing/2010/main">
                             <a:solidFill>
                               <a:srgbClr val="FFFFFF"/>
                             </a:solidFill>
@@ -15266,7 +15143,7 @@
           <a:graphicData uri="http://schemas.openxmlformats.org/presentationml/2006/ole">
             <mc:AlternateContent xmlns:mc="http://schemas.openxmlformats.org/markup-compatibility/2006">
               <mc:Choice xmlns:v="urn:schemas-microsoft-com:vml" Requires="v">
-                <p:oleObj spid="_x0000_s2070" name="Equation" r:id="rId4" imgW="2133600" imgH="673100" progId="Equation.3">
+                <p:oleObj spid="_x0000_s2072" name="Equation" r:id="rId4" imgW="2133600" imgH="673100" progId="Equation.3">
                   <p:embed/>
                 </p:oleObj>
               </mc:Choice>
@@ -15305,7 +15182,7 @@
                       <a:noFill/>
                       <a:extLst>
                         <a:ext uri="{909E8E84-426E-40dd-AFC4-6F175D3DCCD1}">
-                          <a14:hiddenFill xmlns:a14="http://schemas.microsoft.com/office/drawing/2010/main" xmlns="">
+                          <a14:hiddenFill xmlns="" xmlns:a14="http://schemas.microsoft.com/office/drawing/2010/main">
                             <a:solidFill>
                               <a:srgbClr val="FFFFFF"/>
                             </a:solidFill>
